--- a/Ciclo VI/PROYECTO CERTIFICADOR DESARROLLO SOFTWARE III/DATA_ALTARED.pptx
+++ b/Ciclo VI/PROYECTO CERTIFICADOR DESARROLLO SOFTWARE III/DATA_ALTARED.pptx
@@ -7,6 +7,7 @@
   <p:sldIdLst>
     <p:sldId id="257" r:id="rId2"/>
     <p:sldId id="258" r:id="rId3"/>
+    <p:sldId id="259" r:id="rId4"/>
   </p:sldIdLst>
   <p:sldSz cx="12192000" cy="6858000"/>
   <p:notesSz cx="6858000" cy="9144000"/>
@@ -105,6 +106,11 @@
       </a:defRPr>
     </a:lvl9pPr>
   </p:defaultTextStyle>
+  <p:extLst>
+    <p:ext uri="{EFAFB233-063F-42B5-8137-9DF3F51BA10A}">
+      <p15:sldGuideLst xmlns:p15="http://schemas.microsoft.com/office/powerpoint/2012/main"/>
+    </p:ext>
+  </p:extLst>
 </p:presentation>
 </file>
 
@@ -8390,7 +8396,7 @@
           <a:p>
             <a:fld id="{1E13BFC8-A07E-41D9-8218-4E0C3EA926D7}" type="datetimeFigureOut">
               <a:rPr lang="es-MX" smtClean="0"/>
-              <a:t>08/06/2024</a:t>
+              <a:t>09/06/2024</a:t>
             </a:fld>
             <a:endParaRPr lang="es-MX"/>
           </a:p>
@@ -8590,7 +8596,7 @@
           <a:p>
             <a:fld id="{1E13BFC8-A07E-41D9-8218-4E0C3EA926D7}" type="datetimeFigureOut">
               <a:rPr lang="es-MX" smtClean="0"/>
-              <a:t>08/06/2024</a:t>
+              <a:t>09/06/2024</a:t>
             </a:fld>
             <a:endParaRPr lang="es-MX"/>
           </a:p>
@@ -8800,7 +8806,7 @@
           <a:p>
             <a:fld id="{1E13BFC8-A07E-41D9-8218-4E0C3EA926D7}" type="datetimeFigureOut">
               <a:rPr lang="es-MX" smtClean="0"/>
-              <a:t>08/06/2024</a:t>
+              <a:t>09/06/2024</a:t>
             </a:fld>
             <a:endParaRPr lang="es-MX"/>
           </a:p>
@@ -9000,7 +9006,7 @@
           <a:p>
             <a:fld id="{1E13BFC8-A07E-41D9-8218-4E0C3EA926D7}" type="datetimeFigureOut">
               <a:rPr lang="es-MX" smtClean="0"/>
-              <a:t>08/06/2024</a:t>
+              <a:t>09/06/2024</a:t>
             </a:fld>
             <a:endParaRPr lang="es-MX"/>
           </a:p>
@@ -9276,7 +9282,7 @@
           <a:p>
             <a:fld id="{1E13BFC8-A07E-41D9-8218-4E0C3EA926D7}" type="datetimeFigureOut">
               <a:rPr lang="es-MX" smtClean="0"/>
-              <a:t>08/06/2024</a:t>
+              <a:t>09/06/2024</a:t>
             </a:fld>
             <a:endParaRPr lang="es-MX"/>
           </a:p>
@@ -9544,7 +9550,7 @@
           <a:p>
             <a:fld id="{1E13BFC8-A07E-41D9-8218-4E0C3EA926D7}" type="datetimeFigureOut">
               <a:rPr lang="es-MX" smtClean="0"/>
-              <a:t>08/06/2024</a:t>
+              <a:t>09/06/2024</a:t>
             </a:fld>
             <a:endParaRPr lang="es-MX"/>
           </a:p>
@@ -9959,7 +9965,7 @@
           <a:p>
             <a:fld id="{1E13BFC8-A07E-41D9-8218-4E0C3EA926D7}" type="datetimeFigureOut">
               <a:rPr lang="es-MX" smtClean="0"/>
-              <a:t>08/06/2024</a:t>
+              <a:t>09/06/2024</a:t>
             </a:fld>
             <a:endParaRPr lang="es-MX"/>
           </a:p>
@@ -10101,7 +10107,7 @@
           <a:p>
             <a:fld id="{1E13BFC8-A07E-41D9-8218-4E0C3EA926D7}" type="datetimeFigureOut">
               <a:rPr lang="es-MX" smtClean="0"/>
-              <a:t>08/06/2024</a:t>
+              <a:t>09/06/2024</a:t>
             </a:fld>
             <a:endParaRPr lang="es-MX"/>
           </a:p>
@@ -10214,7 +10220,7 @@
           <a:p>
             <a:fld id="{1E13BFC8-A07E-41D9-8218-4E0C3EA926D7}" type="datetimeFigureOut">
               <a:rPr lang="es-MX" smtClean="0"/>
-              <a:t>08/06/2024</a:t>
+              <a:t>09/06/2024</a:t>
             </a:fld>
             <a:endParaRPr lang="es-MX"/>
           </a:p>
@@ -10527,7 +10533,7 @@
           <a:p>
             <a:fld id="{1E13BFC8-A07E-41D9-8218-4E0C3EA926D7}" type="datetimeFigureOut">
               <a:rPr lang="es-MX" smtClean="0"/>
-              <a:t>08/06/2024</a:t>
+              <a:t>09/06/2024</a:t>
             </a:fld>
             <a:endParaRPr lang="es-MX"/>
           </a:p>
@@ -10816,7 +10822,7 @@
           <a:p>
             <a:fld id="{1E13BFC8-A07E-41D9-8218-4E0C3EA926D7}" type="datetimeFigureOut">
               <a:rPr lang="es-MX" smtClean="0"/>
-              <a:t>08/06/2024</a:t>
+              <a:t>09/06/2024</a:t>
             </a:fld>
             <a:endParaRPr lang="es-MX"/>
           </a:p>
@@ -11059,7 +11065,7 @@
           <a:p>
             <a:fld id="{1E13BFC8-A07E-41D9-8218-4E0C3EA926D7}" type="datetimeFigureOut">
               <a:rPr lang="es-MX" smtClean="0"/>
-              <a:t>08/06/2024</a:t>
+              <a:t>09/06/2024</a:t>
             </a:fld>
             <a:endParaRPr lang="es-MX"/>
           </a:p>
@@ -11781,6 +11787,802 @@
 </p:sld>
 </file>
 
+<file path=ppt/slides/slide3.xml><?xml version="1.0" encoding="utf-8"?>
+<p:sld xmlns:a="http://schemas.openxmlformats.org/drawingml/2006/main" xmlns:r="http://schemas.openxmlformats.org/officeDocument/2006/relationships" xmlns:p="http://schemas.openxmlformats.org/presentationml/2006/main">
+  <p:cSld>
+    <p:spTree>
+      <p:nvGrpSpPr>
+        <p:cNvPr id="1" name=""/>
+        <p:cNvGrpSpPr/>
+        <p:nvPr/>
+      </p:nvGrpSpPr>
+      <p:grpSpPr>
+        <a:xfrm>
+          <a:off x="0" y="0"/>
+          <a:ext cx="0" cy="0"/>
+          <a:chOff x="0" y="0"/>
+          <a:chExt cx="0" cy="0"/>
+        </a:xfrm>
+      </p:grpSpPr>
+      <p:sp>
+        <p:nvSpPr>
+          <p:cNvPr id="8" name="Flecha: a la derecha 7">
+            <a:extLst>
+              <a:ext uri="{FF2B5EF4-FFF2-40B4-BE49-F238E27FC236}">
+                <a16:creationId xmlns:a16="http://schemas.microsoft.com/office/drawing/2014/main" id="{55016A36-482F-552C-E337-D6372C2966E7}"/>
+              </a:ext>
+            </a:extLst>
+          </p:cNvPr>
+          <p:cNvSpPr/>
+          <p:nvPr/>
+        </p:nvSpPr>
+        <p:spPr>
+          <a:xfrm>
+            <a:off x="142672" y="2650787"/>
+            <a:ext cx="11906655" cy="277239"/>
+          </a:xfrm>
+          <a:prstGeom prst="rightArrow">
+            <a:avLst/>
+          </a:prstGeom>
+          <a:solidFill>
+            <a:srgbClr val="FFFF00"/>
+          </a:solidFill>
+          <a:ln>
+            <a:noFill/>
+          </a:ln>
+        </p:spPr>
+        <p:style>
+          <a:lnRef idx="2">
+            <a:schemeClr val="accent1">
+              <a:shade val="15000"/>
+            </a:schemeClr>
+          </a:lnRef>
+          <a:fillRef idx="1">
+            <a:schemeClr val="accent1"/>
+          </a:fillRef>
+          <a:effectRef idx="0">
+            <a:schemeClr val="accent1"/>
+          </a:effectRef>
+          <a:fontRef idx="minor">
+            <a:schemeClr val="lt1"/>
+          </a:fontRef>
+        </p:style>
+        <p:txBody>
+          <a:bodyPr rtlCol="0" anchor="ctr"/>
+          <a:lstStyle/>
+          <a:p>
+            <a:pPr algn="ctr"/>
+            <a:endParaRPr lang="es-MX">
+              <a:latin typeface="Century Gothic" panose="020B0502020202020204" pitchFamily="34" charset="0"/>
+            </a:endParaRPr>
+          </a:p>
+        </p:txBody>
+      </p:sp>
+      <p:sp>
+        <p:nvSpPr>
+          <p:cNvPr id="9" name="Elipse 8">
+            <a:extLst>
+              <a:ext uri="{FF2B5EF4-FFF2-40B4-BE49-F238E27FC236}">
+                <a16:creationId xmlns:a16="http://schemas.microsoft.com/office/drawing/2014/main" id="{A8F196D6-8DEA-E942-62FD-6AE33661C8D2}"/>
+              </a:ext>
+            </a:extLst>
+          </p:cNvPr>
+          <p:cNvSpPr/>
+          <p:nvPr/>
+        </p:nvSpPr>
+        <p:spPr>
+          <a:xfrm>
+            <a:off x="1182070" y="2539891"/>
+            <a:ext cx="476656" cy="476656"/>
+          </a:xfrm>
+          <a:prstGeom prst="ellipse">
+            <a:avLst/>
+          </a:prstGeom>
+          <a:solidFill>
+            <a:srgbClr val="FFFF00"/>
+          </a:solidFill>
+          <a:ln w="57150">
+            <a:solidFill>
+              <a:srgbClr val="FFFFFF"/>
+            </a:solidFill>
+          </a:ln>
+        </p:spPr>
+        <p:style>
+          <a:lnRef idx="2">
+            <a:schemeClr val="accent1">
+              <a:shade val="15000"/>
+            </a:schemeClr>
+          </a:lnRef>
+          <a:fillRef idx="1">
+            <a:schemeClr val="accent1"/>
+          </a:fillRef>
+          <a:effectRef idx="0">
+            <a:schemeClr val="accent1"/>
+          </a:effectRef>
+          <a:fontRef idx="minor">
+            <a:schemeClr val="lt1"/>
+          </a:fontRef>
+        </p:style>
+        <p:txBody>
+          <a:bodyPr rtlCol="0" anchor="ctr"/>
+          <a:lstStyle/>
+          <a:p>
+            <a:pPr algn="ctr"/>
+            <a:endParaRPr lang="es-MX">
+              <a:latin typeface="Century Gothic" panose="020B0502020202020204" pitchFamily="34" charset="0"/>
+            </a:endParaRPr>
+          </a:p>
+        </p:txBody>
+      </p:sp>
+      <p:sp>
+        <p:nvSpPr>
+          <p:cNvPr id="10" name="Elipse 9">
+            <a:extLst>
+              <a:ext uri="{FF2B5EF4-FFF2-40B4-BE49-F238E27FC236}">
+                <a16:creationId xmlns:a16="http://schemas.microsoft.com/office/drawing/2014/main" id="{B95F92BD-01B1-8919-1B26-0749CB56FB4A}"/>
+              </a:ext>
+            </a:extLst>
+          </p:cNvPr>
+          <p:cNvSpPr/>
+          <p:nvPr/>
+        </p:nvSpPr>
+        <p:spPr>
+          <a:xfrm>
+            <a:off x="4115976" y="2549088"/>
+            <a:ext cx="476656" cy="476656"/>
+          </a:xfrm>
+          <a:prstGeom prst="ellipse">
+            <a:avLst/>
+          </a:prstGeom>
+          <a:solidFill>
+            <a:srgbClr val="FFFF00"/>
+          </a:solidFill>
+          <a:ln w="57150">
+            <a:solidFill>
+              <a:srgbClr val="FFFFFF"/>
+            </a:solidFill>
+          </a:ln>
+        </p:spPr>
+        <p:style>
+          <a:lnRef idx="2">
+            <a:schemeClr val="accent1">
+              <a:shade val="15000"/>
+            </a:schemeClr>
+          </a:lnRef>
+          <a:fillRef idx="1">
+            <a:schemeClr val="accent1"/>
+          </a:fillRef>
+          <a:effectRef idx="0">
+            <a:schemeClr val="accent1"/>
+          </a:effectRef>
+          <a:fontRef idx="minor">
+            <a:schemeClr val="lt1"/>
+          </a:fontRef>
+        </p:style>
+        <p:txBody>
+          <a:bodyPr rtlCol="0" anchor="ctr"/>
+          <a:lstStyle/>
+          <a:p>
+            <a:pPr algn="ctr"/>
+            <a:endParaRPr lang="es-MX">
+              <a:latin typeface="Century Gothic" panose="020B0502020202020204" pitchFamily="34" charset="0"/>
+            </a:endParaRPr>
+          </a:p>
+        </p:txBody>
+      </p:sp>
+      <p:sp>
+        <p:nvSpPr>
+          <p:cNvPr id="11" name="Elipse 10">
+            <a:extLst>
+              <a:ext uri="{FF2B5EF4-FFF2-40B4-BE49-F238E27FC236}">
+                <a16:creationId xmlns:a16="http://schemas.microsoft.com/office/drawing/2014/main" id="{EAC49092-F998-3671-14A5-6DAE4C7A2FA9}"/>
+              </a:ext>
+            </a:extLst>
+          </p:cNvPr>
+          <p:cNvSpPr/>
+          <p:nvPr/>
+        </p:nvSpPr>
+        <p:spPr>
+          <a:xfrm>
+            <a:off x="6865658" y="2549088"/>
+            <a:ext cx="476656" cy="476656"/>
+          </a:xfrm>
+          <a:prstGeom prst="ellipse">
+            <a:avLst/>
+          </a:prstGeom>
+          <a:solidFill>
+            <a:srgbClr val="FFFF00"/>
+          </a:solidFill>
+          <a:ln w="57150">
+            <a:solidFill>
+              <a:srgbClr val="FFFFFF"/>
+            </a:solidFill>
+          </a:ln>
+        </p:spPr>
+        <p:style>
+          <a:lnRef idx="2">
+            <a:schemeClr val="accent1">
+              <a:shade val="15000"/>
+            </a:schemeClr>
+          </a:lnRef>
+          <a:fillRef idx="1">
+            <a:schemeClr val="accent1"/>
+          </a:fillRef>
+          <a:effectRef idx="0">
+            <a:schemeClr val="accent1"/>
+          </a:effectRef>
+          <a:fontRef idx="minor">
+            <a:schemeClr val="lt1"/>
+          </a:fontRef>
+        </p:style>
+        <p:txBody>
+          <a:bodyPr rtlCol="0" anchor="ctr"/>
+          <a:lstStyle/>
+          <a:p>
+            <a:pPr algn="ctr"/>
+            <a:endParaRPr lang="es-MX">
+              <a:latin typeface="Century Gothic" panose="020B0502020202020204" pitchFamily="34" charset="0"/>
+            </a:endParaRPr>
+          </a:p>
+        </p:txBody>
+      </p:sp>
+      <p:sp>
+        <p:nvSpPr>
+          <p:cNvPr id="12" name="Elipse 11">
+            <a:extLst>
+              <a:ext uri="{FF2B5EF4-FFF2-40B4-BE49-F238E27FC236}">
+                <a16:creationId xmlns:a16="http://schemas.microsoft.com/office/drawing/2014/main" id="{B2C00F8F-6892-4429-3B72-BF8D82C1E503}"/>
+              </a:ext>
+            </a:extLst>
+          </p:cNvPr>
+          <p:cNvSpPr/>
+          <p:nvPr/>
+        </p:nvSpPr>
+        <p:spPr>
+          <a:xfrm>
+            <a:off x="9615339" y="2584770"/>
+            <a:ext cx="476656" cy="476656"/>
+          </a:xfrm>
+          <a:prstGeom prst="ellipse">
+            <a:avLst/>
+          </a:prstGeom>
+          <a:solidFill>
+            <a:srgbClr val="FFFF00"/>
+          </a:solidFill>
+          <a:ln w="57150">
+            <a:solidFill>
+              <a:srgbClr val="FFFFFF"/>
+            </a:solidFill>
+          </a:ln>
+        </p:spPr>
+        <p:style>
+          <a:lnRef idx="2">
+            <a:schemeClr val="accent1">
+              <a:shade val="15000"/>
+            </a:schemeClr>
+          </a:lnRef>
+          <a:fillRef idx="1">
+            <a:schemeClr val="accent1"/>
+          </a:fillRef>
+          <a:effectRef idx="0">
+            <a:schemeClr val="accent1"/>
+          </a:effectRef>
+          <a:fontRef idx="minor">
+            <a:schemeClr val="lt1"/>
+          </a:fontRef>
+        </p:style>
+        <p:txBody>
+          <a:bodyPr rtlCol="0" anchor="ctr"/>
+          <a:lstStyle/>
+          <a:p>
+            <a:pPr algn="ctr"/>
+            <a:endParaRPr lang="es-MX">
+              <a:latin typeface="Century Gothic" panose="020B0502020202020204" pitchFamily="34" charset="0"/>
+            </a:endParaRPr>
+          </a:p>
+        </p:txBody>
+      </p:sp>
+      <p:sp>
+        <p:nvSpPr>
+          <p:cNvPr id="14" name="CuadroTexto 13">
+            <a:extLst>
+              <a:ext uri="{FF2B5EF4-FFF2-40B4-BE49-F238E27FC236}">
+                <a16:creationId xmlns:a16="http://schemas.microsoft.com/office/drawing/2014/main" id="{0B9E6F02-32CE-A042-3177-567E21A2911D}"/>
+              </a:ext>
+            </a:extLst>
+          </p:cNvPr>
+          <p:cNvSpPr txBox="1"/>
+          <p:nvPr/>
+        </p:nvSpPr>
+        <p:spPr>
+          <a:xfrm>
+            <a:off x="997843" y="2177404"/>
+            <a:ext cx="877163" cy="461665"/>
+          </a:xfrm>
+          <a:prstGeom prst="rect">
+            <a:avLst/>
+          </a:prstGeom>
+          <a:noFill/>
+        </p:spPr>
+        <p:txBody>
+          <a:bodyPr wrap="none" rtlCol="0">
+            <a:spAutoFit/>
+          </a:bodyPr>
+          <a:lstStyle/>
+          <a:p>
+            <a:r>
+              <a:rPr lang="es-MX" sz="2400" b="1" dirty="0">
+                <a:solidFill>
+                  <a:srgbClr val="FF0000"/>
+                </a:solidFill>
+                <a:latin typeface="Century Gothic" panose="020B0502020202020204" pitchFamily="34" charset="0"/>
+              </a:rPr>
+              <a:t>2009</a:t>
+            </a:r>
+          </a:p>
+        </p:txBody>
+      </p:sp>
+      <p:sp>
+        <p:nvSpPr>
+          <p:cNvPr id="15" name="CuadroTexto 14">
+            <a:extLst>
+              <a:ext uri="{FF2B5EF4-FFF2-40B4-BE49-F238E27FC236}">
+                <a16:creationId xmlns:a16="http://schemas.microsoft.com/office/drawing/2014/main" id="{6D5E5DD0-2885-EB7B-260B-3B729DE5CE34}"/>
+              </a:ext>
+            </a:extLst>
+          </p:cNvPr>
+          <p:cNvSpPr txBox="1"/>
+          <p:nvPr/>
+        </p:nvSpPr>
+        <p:spPr>
+          <a:xfrm>
+            <a:off x="3931752" y="2990747"/>
+            <a:ext cx="877163" cy="461665"/>
+          </a:xfrm>
+          <a:prstGeom prst="rect">
+            <a:avLst/>
+          </a:prstGeom>
+          <a:noFill/>
+        </p:spPr>
+        <p:txBody>
+          <a:bodyPr wrap="none" rtlCol="0">
+            <a:spAutoFit/>
+          </a:bodyPr>
+          <a:lstStyle/>
+          <a:p>
+            <a:r>
+              <a:rPr lang="es-MX" sz="2400" b="1" dirty="0">
+                <a:solidFill>
+                  <a:srgbClr val="FF0000"/>
+                </a:solidFill>
+                <a:latin typeface="Century Gothic" panose="020B0502020202020204" pitchFamily="34" charset="0"/>
+              </a:rPr>
+              <a:t>2014</a:t>
+            </a:r>
+          </a:p>
+        </p:txBody>
+      </p:sp>
+      <p:sp>
+        <p:nvSpPr>
+          <p:cNvPr id="16" name="CuadroTexto 15">
+            <a:extLst>
+              <a:ext uri="{FF2B5EF4-FFF2-40B4-BE49-F238E27FC236}">
+                <a16:creationId xmlns:a16="http://schemas.microsoft.com/office/drawing/2014/main" id="{EC465F7F-48DF-0D53-9713-68E9C919366A}"/>
+              </a:ext>
+            </a:extLst>
+          </p:cNvPr>
+          <p:cNvSpPr txBox="1"/>
+          <p:nvPr/>
+        </p:nvSpPr>
+        <p:spPr>
+          <a:xfrm>
+            <a:off x="6681434" y="2177405"/>
+            <a:ext cx="877163" cy="461665"/>
+          </a:xfrm>
+          <a:prstGeom prst="rect">
+            <a:avLst/>
+          </a:prstGeom>
+          <a:noFill/>
+        </p:spPr>
+        <p:txBody>
+          <a:bodyPr wrap="none" rtlCol="0">
+            <a:spAutoFit/>
+          </a:bodyPr>
+          <a:lstStyle/>
+          <a:p>
+            <a:r>
+              <a:rPr lang="es-MX" sz="2400" b="1" dirty="0">
+                <a:solidFill>
+                  <a:srgbClr val="FF0000"/>
+                </a:solidFill>
+                <a:latin typeface="Century Gothic" panose="020B0502020202020204" pitchFamily="34" charset="0"/>
+              </a:rPr>
+              <a:t>2019</a:t>
+            </a:r>
+          </a:p>
+        </p:txBody>
+      </p:sp>
+      <p:sp>
+        <p:nvSpPr>
+          <p:cNvPr id="17" name="CuadroTexto 16">
+            <a:extLst>
+              <a:ext uri="{FF2B5EF4-FFF2-40B4-BE49-F238E27FC236}">
+                <a16:creationId xmlns:a16="http://schemas.microsoft.com/office/drawing/2014/main" id="{8AC70D5A-EA4C-1F6C-17D7-88A7C3FE3DFD}"/>
+              </a:ext>
+            </a:extLst>
+          </p:cNvPr>
+          <p:cNvSpPr txBox="1"/>
+          <p:nvPr/>
+        </p:nvSpPr>
+        <p:spPr>
+          <a:xfrm>
+            <a:off x="9431115" y="3014359"/>
+            <a:ext cx="877163" cy="461665"/>
+          </a:xfrm>
+          <a:prstGeom prst="rect">
+            <a:avLst/>
+          </a:prstGeom>
+          <a:noFill/>
+        </p:spPr>
+        <p:txBody>
+          <a:bodyPr wrap="none" rtlCol="0">
+            <a:spAutoFit/>
+          </a:bodyPr>
+          <a:lstStyle/>
+          <a:p>
+            <a:r>
+              <a:rPr lang="es-MX" sz="2400" b="1" dirty="0">
+                <a:solidFill>
+                  <a:srgbClr val="FF0000"/>
+                </a:solidFill>
+                <a:latin typeface="Century Gothic" panose="020B0502020202020204" pitchFamily="34" charset="0"/>
+              </a:rPr>
+              <a:t>2024</a:t>
+            </a:r>
+          </a:p>
+        </p:txBody>
+      </p:sp>
+      <p:sp>
+        <p:nvSpPr>
+          <p:cNvPr id="18" name="CuadroTexto 17">
+            <a:extLst>
+              <a:ext uri="{FF2B5EF4-FFF2-40B4-BE49-F238E27FC236}">
+                <a16:creationId xmlns:a16="http://schemas.microsoft.com/office/drawing/2014/main" id="{7AED7C21-C8CB-40EB-3E9F-B17B5E723AFC}"/>
+              </a:ext>
+            </a:extLst>
+          </p:cNvPr>
+          <p:cNvSpPr txBox="1"/>
+          <p:nvPr/>
+        </p:nvSpPr>
+        <p:spPr>
+          <a:xfrm>
+            <a:off x="142672" y="4257040"/>
+            <a:ext cx="2651177" cy="707886"/>
+          </a:xfrm>
+          <a:prstGeom prst="rect">
+            <a:avLst/>
+          </a:prstGeom>
+          <a:noFill/>
+        </p:spPr>
+        <p:txBody>
+          <a:bodyPr wrap="square" rtlCol="0">
+            <a:spAutoFit/>
+          </a:bodyPr>
+          <a:lstStyle/>
+          <a:p>
+            <a:pPr algn="ctr"/>
+            <a:r>
+              <a:rPr lang="es-MX" sz="2000" b="1" dirty="0">
+                <a:latin typeface="Century Gothic" panose="020B0502020202020204" pitchFamily="34" charset="0"/>
+              </a:rPr>
+              <a:t>FUNDACION Y PRIMEROS PASOS</a:t>
+            </a:r>
+          </a:p>
+        </p:txBody>
+      </p:sp>
+      <p:sp>
+        <p:nvSpPr>
+          <p:cNvPr id="19" name="CuadroTexto 18">
+            <a:extLst>
+              <a:ext uri="{FF2B5EF4-FFF2-40B4-BE49-F238E27FC236}">
+                <a16:creationId xmlns:a16="http://schemas.microsoft.com/office/drawing/2014/main" id="{C3D3595B-04E7-4F85-6251-7DFBA63AFCFD}"/>
+              </a:ext>
+            </a:extLst>
+          </p:cNvPr>
+          <p:cNvSpPr txBox="1"/>
+          <p:nvPr/>
+        </p:nvSpPr>
+        <p:spPr>
+          <a:xfrm>
+            <a:off x="2854307" y="469494"/>
+            <a:ext cx="2975023" cy="707886"/>
+          </a:xfrm>
+          <a:prstGeom prst="rect">
+            <a:avLst/>
+          </a:prstGeom>
+          <a:noFill/>
+        </p:spPr>
+        <p:txBody>
+          <a:bodyPr wrap="square" rtlCol="0">
+            <a:spAutoFit/>
+          </a:bodyPr>
+          <a:lstStyle/>
+          <a:p>
+            <a:pPr algn="ctr"/>
+            <a:r>
+              <a:rPr lang="es-MX" sz="2000" b="1" dirty="0">
+                <a:latin typeface="Century Gothic" panose="020B0502020202020204" pitchFamily="34" charset="0"/>
+              </a:rPr>
+              <a:t>CRECIMIENTO Y CONSOLIDACION</a:t>
+            </a:r>
+          </a:p>
+        </p:txBody>
+      </p:sp>
+      <p:sp>
+        <p:nvSpPr>
+          <p:cNvPr id="20" name="CuadroTexto 19">
+            <a:extLst>
+              <a:ext uri="{FF2B5EF4-FFF2-40B4-BE49-F238E27FC236}">
+                <a16:creationId xmlns:a16="http://schemas.microsoft.com/office/drawing/2014/main" id="{FF1C4C9F-FA7C-7C4A-218F-4621C2AD84AD}"/>
+              </a:ext>
+            </a:extLst>
+          </p:cNvPr>
+          <p:cNvSpPr txBox="1"/>
+          <p:nvPr/>
+        </p:nvSpPr>
+        <p:spPr>
+          <a:xfrm>
+            <a:off x="5653938" y="4324845"/>
+            <a:ext cx="2900091" cy="707886"/>
+          </a:xfrm>
+          <a:prstGeom prst="rect">
+            <a:avLst/>
+          </a:prstGeom>
+          <a:noFill/>
+        </p:spPr>
+        <p:txBody>
+          <a:bodyPr wrap="square" rtlCol="0">
+            <a:spAutoFit/>
+          </a:bodyPr>
+          <a:lstStyle/>
+          <a:p>
+            <a:pPr algn="ctr"/>
+            <a:r>
+              <a:rPr lang="es-MX" sz="2000" b="1" dirty="0">
+                <a:latin typeface="Century Gothic" panose="020B0502020202020204" pitchFamily="34" charset="0"/>
+              </a:rPr>
+              <a:t>INNOVACION Y RECONOCIMIENTO</a:t>
+            </a:r>
+          </a:p>
+        </p:txBody>
+      </p:sp>
+      <p:sp>
+        <p:nvSpPr>
+          <p:cNvPr id="21" name="CuadroTexto 20">
+            <a:extLst>
+              <a:ext uri="{FF2B5EF4-FFF2-40B4-BE49-F238E27FC236}">
+                <a16:creationId xmlns:a16="http://schemas.microsoft.com/office/drawing/2014/main" id="{5363F4C3-052F-D799-A70A-7BDD2081B679}"/>
+              </a:ext>
+            </a:extLst>
+          </p:cNvPr>
+          <p:cNvSpPr txBox="1"/>
+          <p:nvPr/>
+        </p:nvSpPr>
+        <p:spPr>
+          <a:xfrm>
+            <a:off x="8528077" y="447225"/>
+            <a:ext cx="2651177" cy="707886"/>
+          </a:xfrm>
+          <a:prstGeom prst="rect">
+            <a:avLst/>
+          </a:prstGeom>
+          <a:noFill/>
+        </p:spPr>
+        <p:txBody>
+          <a:bodyPr wrap="square" rtlCol="0">
+            <a:spAutoFit/>
+          </a:bodyPr>
+          <a:lstStyle/>
+          <a:p>
+            <a:pPr algn="ctr"/>
+            <a:r>
+              <a:rPr lang="es-MX" sz="2000" b="1" dirty="0">
+                <a:latin typeface="Century Gothic" panose="020B0502020202020204" pitchFamily="34" charset="0"/>
+              </a:rPr>
+              <a:t>PERSPECTIVAS FUTURAS</a:t>
+            </a:r>
+          </a:p>
+        </p:txBody>
+      </p:sp>
+      <p:cxnSp>
+        <p:nvCxnSpPr>
+          <p:cNvPr id="23" name="Conector recto de flecha 22">
+            <a:extLst>
+              <a:ext uri="{FF2B5EF4-FFF2-40B4-BE49-F238E27FC236}">
+                <a16:creationId xmlns:a16="http://schemas.microsoft.com/office/drawing/2014/main" id="{E438F5FD-2EBD-FC6D-B36C-D7E7B0522F81}"/>
+              </a:ext>
+            </a:extLst>
+          </p:cNvPr>
+          <p:cNvCxnSpPr>
+            <a:cxnSpLocks/>
+          </p:cNvCxnSpPr>
+          <p:nvPr/>
+        </p:nvCxnSpPr>
+        <p:spPr>
+          <a:xfrm>
+            <a:off x="1420395" y="2766990"/>
+            <a:ext cx="0" cy="1490050"/>
+          </a:xfrm>
+          <a:prstGeom prst="straightConnector1">
+            <a:avLst/>
+          </a:prstGeom>
+          <a:ln w="38100">
+            <a:solidFill>
+              <a:srgbClr val="FFFF00"/>
+            </a:solidFill>
+            <a:tailEnd type="triangle"/>
+          </a:ln>
+        </p:spPr>
+        <p:style>
+          <a:lnRef idx="2">
+            <a:schemeClr val="accent1"/>
+          </a:lnRef>
+          <a:fillRef idx="0">
+            <a:schemeClr val="accent1"/>
+          </a:fillRef>
+          <a:effectRef idx="1">
+            <a:schemeClr val="accent1"/>
+          </a:effectRef>
+          <a:fontRef idx="minor">
+            <a:schemeClr val="tx1"/>
+          </a:fontRef>
+        </p:style>
+      </p:cxnSp>
+      <p:cxnSp>
+        <p:nvCxnSpPr>
+          <p:cNvPr id="25" name="Conector recto de flecha 24">
+            <a:extLst>
+              <a:ext uri="{FF2B5EF4-FFF2-40B4-BE49-F238E27FC236}">
+                <a16:creationId xmlns:a16="http://schemas.microsoft.com/office/drawing/2014/main" id="{9AA78BCC-8851-AFFA-B169-0F249D7F7D40}"/>
+              </a:ext>
+            </a:extLst>
+          </p:cNvPr>
+          <p:cNvCxnSpPr>
+            <a:cxnSpLocks/>
+          </p:cNvCxnSpPr>
+          <p:nvPr/>
+        </p:nvCxnSpPr>
+        <p:spPr>
+          <a:xfrm>
+            <a:off x="7103984" y="2823098"/>
+            <a:ext cx="0" cy="1490050"/>
+          </a:xfrm>
+          <a:prstGeom prst="straightConnector1">
+            <a:avLst/>
+          </a:prstGeom>
+          <a:ln w="38100">
+            <a:solidFill>
+              <a:srgbClr val="FFFF00"/>
+            </a:solidFill>
+            <a:tailEnd type="triangle"/>
+          </a:ln>
+        </p:spPr>
+        <p:style>
+          <a:lnRef idx="2">
+            <a:schemeClr val="accent1"/>
+          </a:lnRef>
+          <a:fillRef idx="0">
+            <a:schemeClr val="accent1"/>
+          </a:fillRef>
+          <a:effectRef idx="1">
+            <a:schemeClr val="accent1"/>
+          </a:effectRef>
+          <a:fontRef idx="minor">
+            <a:schemeClr val="tx1"/>
+          </a:fontRef>
+        </p:style>
+      </p:cxnSp>
+      <p:cxnSp>
+        <p:nvCxnSpPr>
+          <p:cNvPr id="26" name="Conector recto de flecha 25">
+            <a:extLst>
+              <a:ext uri="{FF2B5EF4-FFF2-40B4-BE49-F238E27FC236}">
+                <a16:creationId xmlns:a16="http://schemas.microsoft.com/office/drawing/2014/main" id="{3123378D-6DE8-6956-14CC-AE0C0D031C47}"/>
+              </a:ext>
+            </a:extLst>
+          </p:cNvPr>
+          <p:cNvCxnSpPr>
+            <a:cxnSpLocks/>
+          </p:cNvCxnSpPr>
+          <p:nvPr/>
+        </p:nvCxnSpPr>
+        <p:spPr>
+          <a:xfrm flipV="1">
+            <a:off x="4341819" y="1333500"/>
+            <a:ext cx="0" cy="1478311"/>
+          </a:xfrm>
+          <a:prstGeom prst="straightConnector1">
+            <a:avLst/>
+          </a:prstGeom>
+          <a:ln w="38100">
+            <a:solidFill>
+              <a:srgbClr val="FFFF00"/>
+            </a:solidFill>
+            <a:tailEnd type="triangle"/>
+          </a:ln>
+        </p:spPr>
+        <p:style>
+          <a:lnRef idx="2">
+            <a:schemeClr val="accent1"/>
+          </a:lnRef>
+          <a:fillRef idx="0">
+            <a:schemeClr val="accent1"/>
+          </a:fillRef>
+          <a:effectRef idx="1">
+            <a:schemeClr val="accent1"/>
+          </a:effectRef>
+          <a:fontRef idx="minor">
+            <a:schemeClr val="tx1"/>
+          </a:fontRef>
+        </p:style>
+      </p:cxnSp>
+      <p:cxnSp>
+        <p:nvCxnSpPr>
+          <p:cNvPr id="29" name="Conector recto de flecha 28">
+            <a:extLst>
+              <a:ext uri="{FF2B5EF4-FFF2-40B4-BE49-F238E27FC236}">
+                <a16:creationId xmlns:a16="http://schemas.microsoft.com/office/drawing/2014/main" id="{36CBC4EF-AF42-331F-E072-5FD9743DCB85}"/>
+              </a:ext>
+            </a:extLst>
+          </p:cNvPr>
+          <p:cNvCxnSpPr>
+            <a:cxnSpLocks/>
+          </p:cNvCxnSpPr>
+          <p:nvPr/>
+        </p:nvCxnSpPr>
+        <p:spPr>
+          <a:xfrm flipV="1">
+            <a:off x="9853666" y="1288679"/>
+            <a:ext cx="0" cy="1478311"/>
+          </a:xfrm>
+          <a:prstGeom prst="straightConnector1">
+            <a:avLst/>
+          </a:prstGeom>
+          <a:ln w="38100">
+            <a:solidFill>
+              <a:srgbClr val="FFFF00"/>
+            </a:solidFill>
+            <a:tailEnd type="triangle"/>
+          </a:ln>
+        </p:spPr>
+        <p:style>
+          <a:lnRef idx="2">
+            <a:schemeClr val="accent1"/>
+          </a:lnRef>
+          <a:fillRef idx="0">
+            <a:schemeClr val="accent1"/>
+          </a:fillRef>
+          <a:effectRef idx="1">
+            <a:schemeClr val="accent1"/>
+          </a:effectRef>
+          <a:fontRef idx="minor">
+            <a:schemeClr val="tx1"/>
+          </a:fontRef>
+        </p:style>
+      </p:cxnSp>
+    </p:spTree>
+    <p:extLst>
+      <p:ext uri="{BB962C8B-B14F-4D97-AF65-F5344CB8AC3E}">
+        <p14:creationId xmlns:p14="http://schemas.microsoft.com/office/powerpoint/2010/main" val="3271405255"/>
+      </p:ext>
+    </p:extLst>
+  </p:cSld>
+  <p:clrMapOvr>
+    <a:masterClrMapping/>
+  </p:clrMapOvr>
+</p:sld>
+</file>
+
 <file path=ppt/theme/theme1.xml><?xml version="1.0" encoding="utf-8"?>
 <a:theme xmlns:a="http://schemas.openxmlformats.org/drawingml/2006/main" name="Tema de Office">
   <a:themeElements>
